--- a/project_01/shih_ENGI301_project_01_proposal.pptx
+++ b/project_01/shih_ENGI301_project_01_proposal.pptx
@@ -218,7 +218,7 @@
           <a:p>
             <a:fld id="{59041DB8-B66F-4DC8-A96E-33677E0F90FF}" type="datetimeFigureOut">
               <a:rPr lang="en-US" smtClean="0"/>
-              <a:t>2/19/24</a:t>
+              <a:t>2/25/24</a:t>
             </a:fld>
             <a:endParaRPr lang="en-US"/>
           </a:p>
@@ -383,7 +383,7 @@
           <a:p>
             <a:fld id="{DEB49C4A-65AC-492D-9701-81B46C3AD0E4}" type="datetimeFigureOut">
               <a:rPr lang="en-US" smtClean="0"/>
-              <a:t>2/19/24</a:t>
+              <a:t>2/25/24</a:t>
             </a:fld>
             <a:endParaRPr lang="en-US"/>
           </a:p>
@@ -2791,7 +2791,7 @@
           <a:p>
             <a:fld id="{384A29A4-78C8-47AB-BA06-22CB45938951}" type="datetime1">
               <a:rPr lang="en-US" smtClean="0"/>
-              <a:t>2/19/24</a:t>
+              <a:t>2/25/24</a:t>
             </a:fld>
             <a:endParaRPr lang="en-US"/>
           </a:p>
@@ -2986,7 +2986,7 @@
           <a:p>
             <a:fld id="{E1ED4ACF-2D82-46F2-A8E9-23963AA34E86}" type="datetime1">
               <a:rPr lang="en-US" smtClean="0"/>
-              <a:t>2/19/24</a:t>
+              <a:t>2/25/24</a:t>
             </a:fld>
             <a:endParaRPr lang="en-US"/>
           </a:p>
@@ -3180,7 +3180,7 @@
           <a:p>
             <a:fld id="{AE374B5B-21A0-4192-BF4C-38187F1A68D8}" type="datetime1">
               <a:rPr lang="en-US" smtClean="0"/>
-              <a:t>2/19/24</a:t>
+              <a:t>2/25/24</a:t>
             </a:fld>
             <a:endParaRPr lang="en-US"/>
           </a:p>
@@ -5521,7 +5521,7 @@
           <a:p>
             <a:fld id="{33B5CF7C-B333-48E1-A4A6-83A3C8B73AC0}" type="datetime1">
               <a:rPr lang="en-US" smtClean="0"/>
-              <a:t>2/19/24</a:t>
+              <a:t>2/25/24</a:t>
             </a:fld>
             <a:endParaRPr lang="en-US"/>
           </a:p>
@@ -5974,7 +5974,7 @@
           <a:p>
             <a:fld id="{AE320762-5CBF-4210-AB54-376B091119F8}" type="datetime1">
               <a:rPr lang="en-US" smtClean="0"/>
-              <a:t>2/19/24</a:t>
+              <a:t>2/25/24</a:t>
             </a:fld>
             <a:endParaRPr lang="en-US"/>
           </a:p>
@@ -6106,7 +6106,7 @@
           <a:p>
             <a:fld id="{7F0DB371-BF5F-4058-A212-1A908E4D2674}" type="datetime1">
               <a:rPr lang="en-US" smtClean="0"/>
-              <a:t>2/19/24</a:t>
+              <a:t>2/25/24</a:t>
             </a:fld>
             <a:endParaRPr lang="en-US"/>
           </a:p>
@@ -8039,7 +8039,7 @@
           <a:p>
             <a:fld id="{60A4083B-90AA-48CF-BAD5-00AA24D7F288}" type="datetime1">
               <a:rPr lang="en-US" smtClean="0"/>
-              <a:t>2/19/24</a:t>
+              <a:t>2/25/24</a:t>
             </a:fld>
             <a:endParaRPr lang="en-US"/>
           </a:p>
@@ -10298,7 +10298,7 @@
             <a:fld id="{F5BAF629-ECA2-4CF3-B790-9D9BDED98269}" type="datetime1">
               <a:rPr lang="en-US" smtClean="0"/>
               <a:pPr/>
-              <a:t>2/19/24</a:t>
+              <a:t>2/25/24</a:t>
             </a:fld>
             <a:endParaRPr lang="en-US"/>
           </a:p>
@@ -14593,7 +14593,7 @@
             <a:fld id="{B51B2453-8663-4C69-AF73-9FD7B1DEC5D0}" type="datetime1">
               <a:rPr lang="en-US" smtClean="0"/>
               <a:pPr/>
-              <a:t>2/19/24</a:t>
+              <a:t>2/25/24</a:t>
             </a:fld>
             <a:endParaRPr lang="en-US" dirty="0"/>
           </a:p>
@@ -15450,10 +15450,10 @@
       </p:sp>
       <p:pic>
         <p:nvPicPr>
-          <p:cNvPr id="8" name="Picture 7" descr="A close-up of a pocket beagle&#10;&#10;Description automatically generated">
+          <p:cNvPr id="4" name="Picture 3" descr="A diagram of a pocket beagle&#10;&#10;Description automatically generated">
             <a:extLst>
               <a:ext uri="{FF2B5EF4-FFF2-40B4-BE49-F238E27FC236}">
-                <a16:creationId xmlns:a16="http://schemas.microsoft.com/office/drawing/2014/main" id="{3978D0AF-CBC3-C643-88BF-C8715DA49E71}"/>
+                <a16:creationId xmlns:a16="http://schemas.microsoft.com/office/drawing/2014/main" id="{8FC4B5E6-91DD-8D4E-ABE5-68C90105A419}"/>
               </a:ext>
             </a:extLst>
           </p:cNvPr>
@@ -15470,8 +15470,8 @@
         </p:blipFill>
         <p:spPr>
           <a:xfrm>
-            <a:off x="457200" y="1447800"/>
-            <a:ext cx="11101798" cy="3810000"/>
+            <a:off x="0" y="1346875"/>
+            <a:ext cx="12192000" cy="4164250"/>
           </a:xfrm>
           <a:prstGeom prst="rect">
             <a:avLst/>
@@ -15550,10 +15550,10 @@
       </p:sp>
       <p:pic>
         <p:nvPicPr>
-          <p:cNvPr id="10" name="Picture 9" descr="A diagram of a pocket beagle&#10;&#10;Description automatically generated">
+          <p:cNvPr id="4" name="Picture 3" descr="A diagram of a pocket beagle&#10;&#10;Description automatically generated">
             <a:extLst>
               <a:ext uri="{FF2B5EF4-FFF2-40B4-BE49-F238E27FC236}">
-                <a16:creationId xmlns:a16="http://schemas.microsoft.com/office/drawing/2014/main" id="{068EE088-4951-7D4C-AE70-2A7F0B046D43}"/>
+                <a16:creationId xmlns:a16="http://schemas.microsoft.com/office/drawing/2014/main" id="{85D94A67-1985-3A4D-90C5-7F208DB723AA}"/>
               </a:ext>
             </a:extLst>
           </p:cNvPr>
@@ -15570,8 +15570,8 @@
         </p:blipFill>
         <p:spPr>
           <a:xfrm>
-            <a:off x="558800" y="1428750"/>
-            <a:ext cx="11074400" cy="4000500"/>
+            <a:off x="0" y="1216028"/>
+            <a:ext cx="12192000" cy="4425944"/>
           </a:xfrm>
           <a:prstGeom prst="rect">
             <a:avLst/>
@@ -15664,14 +15664,14 @@
             <p:ph idx="1"/>
             <p:extLst>
               <p:ext uri="{D42A27DB-BD31-4B8C-83A1-F6EECF244321}">
-                <p14:modId xmlns:p14="http://schemas.microsoft.com/office/powerpoint/2010/main" val="979647824"/>
+                <p14:modId xmlns:p14="http://schemas.microsoft.com/office/powerpoint/2010/main" val="2545955666"/>
               </p:ext>
             </p:extLst>
           </p:nvPr>
         </p:nvGraphicFramePr>
         <p:xfrm>
           <a:off x="609600" y="1295400"/>
-          <a:ext cx="10972800" cy="3235960"/>
+          <a:ext cx="10972800" cy="3505200"/>
         </p:xfrm>
         <a:graphic>
           <a:graphicData uri="http://schemas.openxmlformats.org/drawingml/2006/table">
@@ -15783,10 +15783,7 @@
                     <a:bodyPr/>
                     <a:lstStyle/>
                     <a:p>
-                      <a:r>
-                        <a:rPr lang="en-US" dirty="0"/>
-                        <a:t>Y</a:t>
-                      </a:r>
+                      <a:endParaRPr lang="en-US" dirty="0"/>
                     </a:p>
                   </a:txBody>
                   <a:tcPr/>
@@ -15859,10 +15856,7 @@
                     <a:bodyPr/>
                     <a:lstStyle/>
                     <a:p>
-                      <a:r>
-                        <a:rPr lang="en-US" dirty="0"/>
-                        <a:t>Y</a:t>
-                      </a:r>
+                      <a:endParaRPr lang="en-US" dirty="0"/>
                     </a:p>
                   </a:txBody>
                   <a:tcPr/>
@@ -15970,81 +15964,26 @@
                     <a:bodyPr/>
                     <a:lstStyle/>
                     <a:p>
-                      <a:endParaRPr lang="en-US" dirty="0"/>
-                    </a:p>
-                  </a:txBody>
-                  <a:tcPr/>
-                </a:tc>
-                <a:tc>
-                  <a:txBody>
-                    <a:bodyPr/>
-                    <a:lstStyle/>
-                    <a:p>
-                      <a:endParaRPr lang="en-US" dirty="0"/>
-                    </a:p>
-                  </a:txBody>
-                  <a:tcPr/>
-                </a:tc>
-                <a:tc>
-                  <a:txBody>
-                    <a:bodyPr/>
-                    <a:lstStyle/>
-                    <a:p>
-                      <a:endParaRPr lang="en-US" dirty="0"/>
-                    </a:p>
-                  </a:txBody>
-                  <a:tcPr/>
-                </a:tc>
-                <a:extLst>
-                  <a:ext uri="{0D108BD9-81ED-4DB2-BD59-A6C34878D82A}">
-                    <a16:rowId xmlns:a16="http://schemas.microsoft.com/office/drawing/2014/main" val="3862840897"/>
-                  </a:ext>
-                </a:extLst>
-              </a:tr>
-              <a:tr h="370840">
-                <a:tc>
-                  <a:txBody>
-                    <a:bodyPr/>
-                    <a:lstStyle/>
-                    <a:p>
-                      <a:endParaRPr lang="en-US" dirty="0"/>
-                    </a:p>
-                  </a:txBody>
-                  <a:tcPr/>
-                </a:tc>
-                <a:tc>
-                  <a:txBody>
-                    <a:bodyPr/>
-                    <a:lstStyle/>
-                    <a:p>
-                      <a:endParaRPr lang="en-US" dirty="0"/>
-                    </a:p>
-                  </a:txBody>
-                  <a:tcPr/>
-                </a:tc>
-                <a:tc>
-                  <a:txBody>
-                    <a:bodyPr/>
-                    <a:lstStyle/>
-                    <a:p>
-                      <a:endParaRPr lang="en-US" dirty="0"/>
-                    </a:p>
-                  </a:txBody>
-                  <a:tcPr/>
-                </a:tc>
-                <a:extLst>
-                  <a:ext uri="{0D108BD9-81ED-4DB2-BD59-A6C34878D82A}">
-                    <a16:rowId xmlns:a16="http://schemas.microsoft.com/office/drawing/2014/main" val="1698356184"/>
-                  </a:ext>
-                </a:extLst>
-              </a:tr>
-              <a:tr h="370840">
-                <a:tc>
-                  <a:txBody>
-                    <a:bodyPr/>
-                    <a:lstStyle/>
-                    <a:p>
-                      <a:endParaRPr lang="en-US" dirty="0"/>
+                      <a:r>
+                        <a:rPr lang="en-US" dirty="0"/>
+                        <a:t>9V Battery Holder https://</a:t>
+                      </a:r>
+                      <a:r>
+                        <a:rPr lang="en-US" dirty="0" err="1"/>
+                        <a:t>www.amazon.com</a:t>
+                      </a:r>
+                      <a:r>
+                        <a:rPr lang="en-US" dirty="0"/>
+                        <a:t>//</a:t>
+                      </a:r>
+                      <a:r>
+                        <a:rPr lang="en-US" dirty="0" err="1"/>
+                        <a:t>dp</a:t>
+                      </a:r>
+                      <a:r>
+                        <a:rPr lang="en-US" dirty="0"/>
+                        <a:t>/B07SRDPZ9Z</a:t>
+                      </a:r>
                     </a:p>
                   </a:txBody>
                   <a:tcPr/>
@@ -16066,8 +16005,200 @@
                     <a:p>
                       <a:r>
                         <a:rPr lang="en-US" dirty="0"/>
-                        <a:t>=$34.89</a:t>
+                        <a:t>5.99</a:t>
                       </a:r>
+                    </a:p>
+                  </a:txBody>
+                  <a:tcPr/>
+                </a:tc>
+                <a:extLst>
+                  <a:ext uri="{0D108BD9-81ED-4DB2-BD59-A6C34878D82A}">
+                    <a16:rowId xmlns:a16="http://schemas.microsoft.com/office/drawing/2014/main" val="3862840897"/>
+                  </a:ext>
+                </a:extLst>
+              </a:tr>
+              <a:tr h="370840">
+                <a:tc>
+                  <a:txBody>
+                    <a:bodyPr/>
+                    <a:lstStyle/>
+                    <a:p>
+                      <a:r>
+                        <a:rPr lang="en-US" dirty="0"/>
+                        <a:t>Voltage Regulator https://</a:t>
+                      </a:r>
+                      <a:r>
+                        <a:rPr lang="en-US" dirty="0" err="1"/>
+                        <a:t>www.amazon.com</a:t>
+                      </a:r>
+                      <a:r>
+                        <a:rPr lang="en-US" dirty="0"/>
+                        <a:t>/</a:t>
+                      </a:r>
+                      <a:r>
+                        <a:rPr lang="en-US" dirty="0" err="1"/>
+                        <a:t>dp</a:t>
+                      </a:r>
+                      <a:r>
+                        <a:rPr lang="en-US" dirty="0"/>
+                        <a:t>/B07YPZLF2W</a:t>
+                      </a:r>
+                    </a:p>
+                  </a:txBody>
+                  <a:tcPr/>
+                </a:tc>
+                <a:tc>
+                  <a:txBody>
+                    <a:bodyPr/>
+                    <a:lstStyle/>
+                    <a:p>
+                      <a:endParaRPr lang="en-US" dirty="0"/>
+                    </a:p>
+                  </a:txBody>
+                  <a:tcPr/>
+                </a:tc>
+                <a:tc>
+                  <a:txBody>
+                    <a:bodyPr/>
+                    <a:lstStyle/>
+                    <a:p>
+                      <a:r>
+                        <a:rPr lang="en-US"/>
+                        <a:t>5.45</a:t>
+                      </a:r>
+                      <a:endParaRPr lang="en-US" dirty="0"/>
+                    </a:p>
+                  </a:txBody>
+                  <a:tcPr/>
+                </a:tc>
+                <a:extLst>
+                  <a:ext uri="{0D108BD9-81ED-4DB2-BD59-A6C34878D82A}">
+                    <a16:rowId xmlns:a16="http://schemas.microsoft.com/office/drawing/2014/main" val="1698356184"/>
+                  </a:ext>
+                </a:extLst>
+              </a:tr>
+              <a:tr h="370840">
+                <a:tc>
+                  <a:txBody>
+                    <a:bodyPr/>
+                    <a:lstStyle/>
+                    <a:p>
+                      <a:r>
+                        <a:rPr lang="en-US" dirty="0"/>
+                        <a:t>Limit Switch https://</a:t>
+                      </a:r>
+                      <a:r>
+                        <a:rPr lang="en-US" dirty="0" err="1"/>
+                        <a:t>www.digikey.com</a:t>
+                      </a:r>
+                      <a:r>
+                        <a:rPr lang="en-US" dirty="0"/>
+                        <a:t>/</a:t>
+                      </a:r>
+                      <a:r>
+                        <a:rPr lang="en-US" dirty="0" err="1"/>
+                        <a:t>en</a:t>
+                      </a:r>
+                      <a:r>
+                        <a:rPr lang="en-US" dirty="0"/>
+                        <a:t>/products/detail/</a:t>
+                      </a:r>
+                      <a:r>
+                        <a:rPr lang="en-US" dirty="0" err="1"/>
+                        <a:t>omron</a:t>
+                      </a:r>
+                      <a:r>
+                        <a:rPr lang="en-US" dirty="0"/>
+                        <a:t>-electronics-</a:t>
+                      </a:r>
+                      <a:r>
+                        <a:rPr lang="en-US" dirty="0" err="1"/>
+                        <a:t>inc</a:t>
+                      </a:r>
+                      <a:r>
+                        <a:rPr lang="en-US" dirty="0"/>
+                        <a:t>-</a:t>
+                      </a:r>
+                      <a:r>
+                        <a:rPr lang="en-US" dirty="0" err="1"/>
+                        <a:t>emc</a:t>
+                      </a:r>
+                      <a:r>
+                        <a:rPr lang="en-US" dirty="0"/>
+                        <a:t>-div/404490</a:t>
+                      </a:r>
+                    </a:p>
+                  </a:txBody>
+                  <a:tcPr/>
+                </a:tc>
+                <a:tc>
+                  <a:txBody>
+                    <a:bodyPr/>
+                    <a:lstStyle/>
+                    <a:p>
+                      <a:r>
+                        <a:rPr lang="en-US" dirty="0"/>
+                        <a:t>Y</a:t>
+                      </a:r>
+                    </a:p>
+                  </a:txBody>
+                  <a:tcPr/>
+                </a:tc>
+                <a:tc>
+                  <a:txBody>
+                    <a:bodyPr/>
+                    <a:lstStyle/>
+                    <a:p>
+                      <a:pPr marL="0" marR="0" lvl="0" indent="0" algn="l" defTabSz="914400" rtl="0" eaLnBrk="1" fontAlgn="auto" latinLnBrk="0" hangingPunct="1">
+                        <a:lnSpc>
+                          <a:spcPct val="100000"/>
+                        </a:lnSpc>
+                        <a:spcBef>
+                          <a:spcPts val="0"/>
+                        </a:spcBef>
+                        <a:spcAft>
+                          <a:spcPts val="0"/>
+                        </a:spcAft>
+                        <a:buClrTx/>
+                        <a:buSzTx/>
+                        <a:buFontTx/>
+                        <a:buNone/>
+                        <a:tabLst/>
+                        <a:defRPr/>
+                      </a:pPr>
+                      <a:r>
+                        <a:rPr lang="en-TW" sz="1800" kern="1200" dirty="0">
+                          <a:solidFill>
+                            <a:schemeClr val="tx1"/>
+                          </a:solidFill>
+                          <a:effectLst/>
+                          <a:latin typeface="+mn-lt"/>
+                          <a:ea typeface="+mn-ea"/>
+                          <a:cs typeface="+mn-cs"/>
+                        </a:rPr>
+                        <a:t>3.53</a:t>
+                      </a:r>
+                      <a:r>
+                        <a:rPr lang="en-US" sz="1800" kern="1200" dirty="0">
+                          <a:solidFill>
+                            <a:schemeClr val="tx1"/>
+                          </a:solidFill>
+                          <a:effectLst/>
+                          <a:latin typeface="+mn-lt"/>
+                          <a:ea typeface="+mn-ea"/>
+                          <a:cs typeface="+mn-cs"/>
+                        </a:rPr>
+                        <a:t>*4</a:t>
+                      </a:r>
+                      <a:endParaRPr lang="en-TW" sz="1800" kern="1200" dirty="0">
+                        <a:solidFill>
+                          <a:schemeClr val="tx1"/>
+                        </a:solidFill>
+                        <a:effectLst/>
+                        <a:latin typeface="+mn-lt"/>
+                        <a:ea typeface="+mn-ea"/>
+                        <a:cs typeface="+mn-cs"/>
+                      </a:endParaRPr>
                     </a:p>
                   </a:txBody>
                   <a:tcPr/>
@@ -16094,7 +16225,10 @@
                     <a:bodyPr/>
                     <a:lstStyle/>
                     <a:p>
-                      <a:endParaRPr lang="en-US" dirty="0"/>
+                      <a:r>
+                        <a:rPr lang="en-US" dirty="0"/>
+                        <a:t>=29.12</a:t>
+                      </a:r>
                     </a:p>
                   </a:txBody>
                   <a:tcPr/>

--- a/project_01/shih_ENGI301_project_01_proposal.pptx
+++ b/project_01/shih_ENGI301_project_01_proposal.pptx
@@ -5,17 +5,18 @@
     <p:sldMasterId id="2147483648" r:id="rId1"/>
   </p:sldMasterIdLst>
   <p:notesMasterIdLst>
-    <p:notesMasterId r:id="rId7"/>
+    <p:notesMasterId r:id="rId8"/>
   </p:notesMasterIdLst>
   <p:handoutMasterIdLst>
-    <p:handoutMasterId r:id="rId8"/>
+    <p:handoutMasterId r:id="rId9"/>
   </p:handoutMasterIdLst>
   <p:sldIdLst>
     <p:sldId id="261" r:id="rId2"/>
     <p:sldId id="367" r:id="rId3"/>
     <p:sldId id="368" r:id="rId4"/>
     <p:sldId id="370" r:id="rId5"/>
-    <p:sldId id="369" r:id="rId6"/>
+    <p:sldId id="372" r:id="rId6"/>
+    <p:sldId id="369" r:id="rId7"/>
   </p:sldIdLst>
   <p:sldSz cx="12192000" cy="6858000"/>
   <p:notesSz cx="6858000" cy="9144000"/>
@@ -218,7 +219,7 @@
           <a:p>
             <a:fld id="{59041DB8-B66F-4DC8-A96E-33677E0F90FF}" type="datetimeFigureOut">
               <a:rPr lang="en-US" smtClean="0"/>
-              <a:t>2/25/24</a:t>
+              <a:t>3/10/24</a:t>
             </a:fld>
             <a:endParaRPr lang="en-US"/>
           </a:p>
@@ -383,7 +384,7 @@
           <a:p>
             <a:fld id="{DEB49C4A-65AC-492D-9701-81B46C3AD0E4}" type="datetimeFigureOut">
               <a:rPr lang="en-US" smtClean="0"/>
-              <a:t>2/25/24</a:t>
+              <a:t>3/10/24</a:t>
             </a:fld>
             <a:endParaRPr lang="en-US"/>
           </a:p>
@@ -2791,7 +2792,7 @@
           <a:p>
             <a:fld id="{384A29A4-78C8-47AB-BA06-22CB45938951}" type="datetime1">
               <a:rPr lang="en-US" smtClean="0"/>
-              <a:t>2/25/24</a:t>
+              <a:t>3/10/24</a:t>
             </a:fld>
             <a:endParaRPr lang="en-US"/>
           </a:p>
@@ -2986,7 +2987,7 @@
           <a:p>
             <a:fld id="{E1ED4ACF-2D82-46F2-A8E9-23963AA34E86}" type="datetime1">
               <a:rPr lang="en-US" smtClean="0"/>
-              <a:t>2/25/24</a:t>
+              <a:t>3/10/24</a:t>
             </a:fld>
             <a:endParaRPr lang="en-US"/>
           </a:p>
@@ -3180,7 +3181,7 @@
           <a:p>
             <a:fld id="{AE374B5B-21A0-4192-BF4C-38187F1A68D8}" type="datetime1">
               <a:rPr lang="en-US" smtClean="0"/>
-              <a:t>2/25/24</a:t>
+              <a:t>3/10/24</a:t>
             </a:fld>
             <a:endParaRPr lang="en-US"/>
           </a:p>
@@ -5521,7 +5522,7 @@
           <a:p>
             <a:fld id="{33B5CF7C-B333-48E1-A4A6-83A3C8B73AC0}" type="datetime1">
               <a:rPr lang="en-US" smtClean="0"/>
-              <a:t>2/25/24</a:t>
+              <a:t>3/10/24</a:t>
             </a:fld>
             <a:endParaRPr lang="en-US"/>
           </a:p>
@@ -5974,7 +5975,7 @@
           <a:p>
             <a:fld id="{AE320762-5CBF-4210-AB54-376B091119F8}" type="datetime1">
               <a:rPr lang="en-US" smtClean="0"/>
-              <a:t>2/25/24</a:t>
+              <a:t>3/10/24</a:t>
             </a:fld>
             <a:endParaRPr lang="en-US"/>
           </a:p>
@@ -6106,7 +6107,7 @@
           <a:p>
             <a:fld id="{7F0DB371-BF5F-4058-A212-1A908E4D2674}" type="datetime1">
               <a:rPr lang="en-US" smtClean="0"/>
-              <a:t>2/25/24</a:t>
+              <a:t>3/10/24</a:t>
             </a:fld>
             <a:endParaRPr lang="en-US"/>
           </a:p>
@@ -8039,7 +8040,7 @@
           <a:p>
             <a:fld id="{60A4083B-90AA-48CF-BAD5-00AA24D7F288}" type="datetime1">
               <a:rPr lang="en-US" smtClean="0"/>
-              <a:t>2/25/24</a:t>
+              <a:t>3/10/24</a:t>
             </a:fld>
             <a:endParaRPr lang="en-US"/>
           </a:p>
@@ -10298,7 +10299,7 @@
             <a:fld id="{F5BAF629-ECA2-4CF3-B790-9D9BDED98269}" type="datetime1">
               <a:rPr lang="en-US" smtClean="0"/>
               <a:pPr/>
-              <a:t>2/25/24</a:t>
+              <a:t>3/10/24</a:t>
             </a:fld>
             <a:endParaRPr lang="en-US"/>
           </a:p>
@@ -14593,7 +14594,7 @@
             <a:fld id="{B51B2453-8663-4C69-AF73-9FD7B1DEC5D0}" type="datetime1">
               <a:rPr lang="en-US" smtClean="0"/>
               <a:pPr/>
-              <a:t>2/25/24</a:t>
+              <a:t>3/10/24</a:t>
             </a:fld>
             <a:endParaRPr lang="en-US" dirty="0"/>
           </a:p>
@@ -15604,6 +15605,113 @@
 </file>
 
 <file path=ppt/slides/slide5.xml><?xml version="1.0" encoding="utf-8"?>
+<p:sld xmlns:a="http://schemas.openxmlformats.org/drawingml/2006/main" xmlns:r="http://schemas.openxmlformats.org/officeDocument/2006/relationships" xmlns:p="http://schemas.openxmlformats.org/presentationml/2006/main">
+  <p:cSld>
+    <p:spTree>
+      <p:nvGrpSpPr>
+        <p:cNvPr id="1" name=""/>
+        <p:cNvGrpSpPr/>
+        <p:nvPr/>
+      </p:nvGrpSpPr>
+      <p:grpSpPr>
+        <a:xfrm>
+          <a:off x="0" y="0"/>
+          <a:ext cx="0" cy="0"/>
+          <a:chOff x="0" y="0"/>
+          <a:chExt cx="0" cy="0"/>
+        </a:xfrm>
+      </p:grpSpPr>
+      <p:sp>
+        <p:nvSpPr>
+          <p:cNvPr id="2" name="Title 1">
+            <a:extLst>
+              <a:ext uri="{FF2B5EF4-FFF2-40B4-BE49-F238E27FC236}">
+                <a16:creationId xmlns:a16="http://schemas.microsoft.com/office/drawing/2014/main" id="{562DFEA3-93A8-4943-9F3A-4798FB13F643}"/>
+              </a:ext>
+            </a:extLst>
+          </p:cNvPr>
+          <p:cNvSpPr>
+            <a:spLocks noGrp="1"/>
+          </p:cNvSpPr>
+          <p:nvPr>
+            <p:ph type="title"/>
+          </p:nvPr>
+        </p:nvSpPr>
+        <p:spPr>
+          <a:xfrm>
+            <a:off x="609600" y="228600"/>
+            <a:ext cx="10972800" cy="914401"/>
+          </a:xfrm>
+        </p:spPr>
+        <p:txBody>
+          <a:bodyPr anchor="b">
+            <a:normAutofit/>
+          </a:bodyPr>
+          <a:lstStyle/>
+          <a:p>
+            <a:r>
+              <a:rPr lang="en-US" dirty="0"/>
+              <a:t>Software Block Diagram</a:t>
+            </a:r>
+          </a:p>
+        </p:txBody>
+      </p:sp>
+      <p:pic>
+        <p:nvPicPr>
+          <p:cNvPr id="5" name="Picture 4" descr="A diagram of a process&#10;&#10;Description automatically generated with medium confidence">
+            <a:extLst>
+              <a:ext uri="{FF2B5EF4-FFF2-40B4-BE49-F238E27FC236}">
+                <a16:creationId xmlns:a16="http://schemas.microsoft.com/office/drawing/2014/main" id="{2638BE0D-2CFF-434F-9663-2B722AD4223F}"/>
+              </a:ext>
+            </a:extLst>
+          </p:cNvPr>
+          <p:cNvPicPr>
+            <a:picLocks noChangeAspect="1"/>
+          </p:cNvPicPr>
+          <p:nvPr/>
+        </p:nvPicPr>
+        <p:blipFill rotWithShape="1">
+          <a:blip r:embed="rId2"/>
+          <a:srcRect b="31111"/>
+          <a:stretch/>
+        </p:blipFill>
+        <p:spPr>
+          <a:xfrm>
+            <a:off x="609600" y="1295400"/>
+            <a:ext cx="10972800" cy="4724399"/>
+          </a:xfrm>
+          <a:prstGeom prst="rect">
+            <a:avLst/>
+          </a:prstGeom>
+          <a:noFill/>
+        </p:spPr>
+      </p:pic>
+    </p:spTree>
+    <p:extLst>
+      <p:ext uri="{BB962C8B-B14F-4D97-AF65-F5344CB8AC3E}">
+        <p14:creationId xmlns:p14="http://schemas.microsoft.com/office/powerpoint/2010/main" val="3336273130"/>
+      </p:ext>
+    </p:extLst>
+  </p:cSld>
+  <p:clrMapOvr>
+    <a:masterClrMapping/>
+  </p:clrMapOvr>
+  <mc:AlternateContent xmlns:mc="http://schemas.openxmlformats.org/markup-compatibility/2006">
+    <mc:Choice xmlns:p14="http://schemas.microsoft.com/office/powerpoint/2010/main" Requires="p14">
+      <p:transition spd="med" p14:dur="700">
+        <p:fade/>
+      </p:transition>
+    </mc:Choice>
+    <mc:Fallback>
+      <p:transition spd="med">
+        <p:fade/>
+      </p:transition>
+    </mc:Fallback>
+  </mc:AlternateContent>
+</p:sld>
+</file>
+
+<file path=ppt/slides/slide6.xml><?xml version="1.0" encoding="utf-8"?>
 <p:sld xmlns:a="http://schemas.openxmlformats.org/drawingml/2006/main" xmlns:r="http://schemas.openxmlformats.org/officeDocument/2006/relationships" xmlns:p="http://schemas.openxmlformats.org/presentationml/2006/main">
   <p:cSld>
     <p:spTree>
